--- a/eu/ProgrammingLessons/beginner/FinalChallenge.pptx
+++ b/eu/ProgrammingLessons/beginner/FinalChallenge.pptx
@@ -135,10 +135,6 @@
 </p:presentation>
 </file>
 
-<file path=ppt/revisionInfo.xml><?xml version="1.0" encoding="utf-8"?>
-<p1510:revInfo xmlns:a="http://schemas.openxmlformats.org/drawingml/2006/main" xmlns:r="http://schemas.openxmlformats.org/officeDocument/2006/relationships" xmlns:p1510="http://schemas.microsoft.com/office/powerpoint/2015/10/main"/>
-</file>
-
 <file path=ppt/handoutMasters/handoutMaster1.xml><?xml version="1.0" encoding="utf-8"?>
 <p:handoutMaster xmlns:a="http://schemas.openxmlformats.org/drawingml/2006/main" xmlns:r="http://schemas.openxmlformats.org/officeDocument/2006/relationships" xmlns:p="http://schemas.openxmlformats.org/presentationml/2006/main">
   <p:cSld>
@@ -221,7 +217,7 @@
           <a:p>
             <a:fld id="{F8D9B3D7-15CB-9343-AA49-EFB5A8F33F18}" type="datetimeFigureOut">
               <a:rPr lang="en-US" smtClean="0"/>
-              <a:t>6/28/2018</a:t>
+              <a:t>9/11/22</a:t>
             </a:fld>
             <a:endParaRPr lang="en-US"/>
           </a:p>
@@ -287,7 +283,7 @@
           <a:p>
             <a:fld id="{6ED9BD6B-3536-BC44-B54A-7079C6CEB9D9}" type="slidenum">
               <a:rPr lang="en-US" smtClean="0"/>
-              <a:t>‹Nº›</a:t>
+              <a:t>‹#›</a:t>
             </a:fld>
             <a:endParaRPr lang="en-US"/>
           </a:p>
@@ -387,7 +383,7 @@
           <a:p>
             <a:fld id="{FD3EFF1E-85A1-6640-AFB9-C38833E80A84}" type="datetimeFigureOut">
               <a:rPr lang="en-US" smtClean="0"/>
-              <a:t>6/28/2018</a:t>
+              <a:t>9/11/22</a:t>
             </a:fld>
             <a:endParaRPr lang="en-US"/>
           </a:p>
@@ -545,7 +541,7 @@
           <a:p>
             <a:fld id="{13967457-1E83-1040-AFF7-8D09C473DBD5}" type="slidenum">
               <a:rPr lang="en-US" smtClean="0"/>
-              <a:t>‹Nº›</a:t>
+              <a:t>‹#›</a:t>
             </a:fld>
             <a:endParaRPr lang="en-US"/>
           </a:p>
@@ -1059,7 +1055,7 @@
           <a:p>
             <a:fld id="{457D66D4-E6CB-1341-A6C9-D2831A32B41A}" type="datetime1">
               <a:rPr lang="en-US" smtClean="0"/>
-              <a:t>6/28/2018</a:t>
+              <a:t>9/11/22</a:t>
             </a:fld>
             <a:endParaRPr lang="en-US"/>
           </a:p>
@@ -1125,7 +1121,7 @@
           <a:p>
             <a:fld id="{4DBC7FC8-25FB-FC45-8177-2B991DA6778C}" type="slidenum">
               <a:rPr lang="en-US" smtClean="0"/>
-              <a:t>‹Nº›</a:t>
+              <a:t>‹#›</a:t>
             </a:fld>
             <a:endParaRPr lang="en-US"/>
           </a:p>
@@ -1277,7 +1273,7 @@
           <a:noFill/>
           <a:extLst>
             <a:ext uri="{909E8E84-426E-40dd-AFC4-6F175D3DCCD1}">
-              <a14:hiddenFill xmlns="" xmlns:a14="http://schemas.microsoft.com/office/drawing/2010/main">
+              <a14:hiddenFill xmlns:a14="http://schemas.microsoft.com/office/drawing/2010/main" xmlns="">
                 <a:solidFill>
                   <a:srgbClr val="FFFFFF"/>
                 </a:solidFill>
@@ -1887,7 +1883,7 @@
           <a:p>
             <a:fld id="{7508ACC0-03EA-5A48-8D5A-E5EE98E241D2}" type="datetime1">
               <a:rPr lang="en-US" smtClean="0"/>
-              <a:t>6/28/2018</a:t>
+              <a:t>9/11/22</a:t>
             </a:fld>
             <a:endParaRPr lang="en-US"/>
           </a:p>
@@ -1940,7 +1936,7 @@
           <a:p>
             <a:fld id="{4DBC7FC8-25FB-FC45-8177-2B991DA6778C}" type="slidenum">
               <a:rPr lang="en-US" smtClean="0"/>
-              <a:t>‹Nº›</a:t>
+              <a:t>‹#›</a:t>
             </a:fld>
             <a:endParaRPr lang="en-US"/>
           </a:p>
@@ -2071,7 +2067,7 @@
           <a:p>
             <a:fld id="{0998859F-D654-444E-9FD9-F2158A8D69F2}" type="datetime1">
               <a:rPr lang="en-US" smtClean="0"/>
-              <a:t>6/28/2018</a:t>
+              <a:t>9/11/22</a:t>
             </a:fld>
             <a:endParaRPr lang="en-US"/>
           </a:p>
@@ -2124,7 +2120,7 @@
           <a:p>
             <a:fld id="{4DBC7FC8-25FB-FC45-8177-2B991DA6778C}" type="slidenum">
               <a:rPr lang="en-US" smtClean="0"/>
-              <a:t>‹Nº›</a:t>
+              <a:t>‹#›</a:t>
             </a:fld>
             <a:endParaRPr lang="en-US"/>
           </a:p>
@@ -2267,7 +2263,7 @@
           <a:p>
             <a:fld id="{52F761DA-AA97-6D48-AA96-18C20965BA1D}" type="datetime1">
               <a:rPr lang="en-US" smtClean="0"/>
-              <a:t>6/28/2018</a:t>
+              <a:t>9/11/22</a:t>
             </a:fld>
             <a:endParaRPr lang="en-US"/>
           </a:p>
@@ -2312,14 +2308,13 @@
           <a:p>
             <a:fld id="{DE42E464-3EB8-43C8-8768-9E2AD4F497B7}" type="slidenum">
               <a:rPr lang="en-US" smtClean="0"/>
-              <a:t>‹Nº›</a:t>
+              <a:t>‹#›</a:t>
             </a:fld>
             <a:endParaRPr lang="en-US"/>
           </a:p>
         </p:txBody>
       </p:sp>
     </p:spTree>
-    <p:extLst/>
   </p:cSld>
   <p:clrMapOvr>
     <a:masterClrMapping/>
@@ -2434,7 +2429,7 @@
           <a:p>
             <a:fld id="{414E89B2-B75E-454B-BA57-95187AEE3FB2}" type="datetime1">
               <a:rPr lang="en-US" smtClean="0"/>
-              <a:t>6/28/2018</a:t>
+              <a:t>9/11/22</a:t>
             </a:fld>
             <a:endParaRPr lang="en-US"/>
           </a:p>
@@ -2479,14 +2474,13 @@
           <a:p>
             <a:fld id="{DE42E464-3EB8-43C8-8768-9E2AD4F497B7}" type="slidenum">
               <a:rPr lang="en-US" smtClean="0"/>
-              <a:t>‹Nº›</a:t>
+              <a:t>‹#›</a:t>
             </a:fld>
             <a:endParaRPr lang="en-US"/>
           </a:p>
         </p:txBody>
       </p:sp>
     </p:spTree>
-    <p:extLst/>
   </p:cSld>
   <p:clrMapOvr>
     <a:masterClrMapping/>
@@ -2678,7 +2672,7 @@
           <a:p>
             <a:fld id="{E4E2F6E5-8052-5B40-9A53-8C330D5A883D}" type="datetime1">
               <a:rPr lang="en-US" smtClean="0"/>
-              <a:t>6/28/2018</a:t>
+              <a:t>9/11/22</a:t>
             </a:fld>
             <a:endParaRPr lang="en-US"/>
           </a:p>
@@ -2723,14 +2717,13 @@
           <a:p>
             <a:fld id="{DE42E464-3EB8-43C8-8768-9E2AD4F497B7}" type="slidenum">
               <a:rPr lang="en-US" smtClean="0"/>
-              <a:t>‹Nº›</a:t>
+              <a:t>‹#›</a:t>
             </a:fld>
             <a:endParaRPr lang="en-US"/>
           </a:p>
         </p:txBody>
       </p:sp>
     </p:spTree>
-    <p:extLst/>
   </p:cSld>
   <p:clrMapOvr>
     <a:masterClrMapping/>
@@ -2906,7 +2899,7 @@
           <a:p>
             <a:fld id="{961924EB-AC9D-5343-A823-67126D4C1C16}" type="datetime1">
               <a:rPr lang="en-US" smtClean="0"/>
-              <a:t>6/28/2018</a:t>
+              <a:t>9/11/22</a:t>
             </a:fld>
             <a:endParaRPr lang="en-US"/>
           </a:p>
@@ -2951,14 +2944,13 @@
           <a:p>
             <a:fld id="{DE42E464-3EB8-43C8-8768-9E2AD4F497B7}" type="slidenum">
               <a:rPr lang="en-US" smtClean="0"/>
-              <a:t>‹Nº›</a:t>
+              <a:t>‹#›</a:t>
             </a:fld>
             <a:endParaRPr lang="en-US"/>
           </a:p>
         </p:txBody>
       </p:sp>
     </p:spTree>
-    <p:extLst/>
   </p:cSld>
   <p:clrMapOvr>
     <a:masterClrMapping/>
@@ -3269,7 +3261,7 @@
           <a:p>
             <a:fld id="{92AFCEF2-616B-F440-829E-318F879428B9}" type="datetime1">
               <a:rPr lang="en-US" smtClean="0"/>
-              <a:t>6/28/2018</a:t>
+              <a:t>9/11/22</a:t>
             </a:fld>
             <a:endParaRPr lang="en-US"/>
           </a:p>
@@ -3314,14 +3306,13 @@
           <a:p>
             <a:fld id="{DE42E464-3EB8-43C8-8768-9E2AD4F497B7}" type="slidenum">
               <a:rPr lang="en-US" smtClean="0"/>
-              <a:t>‹Nº›</a:t>
+              <a:t>‹#›</a:t>
             </a:fld>
             <a:endParaRPr lang="en-US"/>
           </a:p>
         </p:txBody>
       </p:sp>
     </p:spTree>
-    <p:extLst/>
   </p:cSld>
   <p:clrMapOvr>
     <a:masterClrMapping/>
@@ -3385,7 +3376,7 @@
           <a:p>
             <a:fld id="{4D34D22B-8FF0-654D-A513-D85068F7736B}" type="datetime1">
               <a:rPr lang="en-US" smtClean="0"/>
-              <a:t>6/28/2018</a:t>
+              <a:t>9/11/22</a:t>
             </a:fld>
             <a:endParaRPr lang="en-US"/>
           </a:p>
@@ -3430,14 +3421,13 @@
           <a:p>
             <a:fld id="{DE42E464-3EB8-43C8-8768-9E2AD4F497B7}" type="slidenum">
               <a:rPr lang="en-US" smtClean="0"/>
-              <a:t>‹Nº›</a:t>
+              <a:t>‹#›</a:t>
             </a:fld>
             <a:endParaRPr lang="en-US"/>
           </a:p>
         </p:txBody>
       </p:sp>
     </p:spTree>
-    <p:extLst/>
   </p:cSld>
   <p:clrMapOvr>
     <a:masterClrMapping/>
@@ -3479,7 +3469,7 @@
           <a:p>
             <a:fld id="{DA0412E2-777E-4941-9040-D44152D7E89C}" type="datetime1">
               <a:rPr lang="en-US" smtClean="0"/>
-              <a:t>6/28/2018</a:t>
+              <a:t>9/11/22</a:t>
             </a:fld>
             <a:endParaRPr lang="en-US"/>
           </a:p>
@@ -3524,14 +3514,13 @@
           <a:p>
             <a:fld id="{DE42E464-3EB8-43C8-8768-9E2AD4F497B7}" type="slidenum">
               <a:rPr lang="en-US" smtClean="0"/>
-              <a:t>‹Nº›</a:t>
+              <a:t>‹#›</a:t>
             </a:fld>
             <a:endParaRPr lang="en-US"/>
           </a:p>
         </p:txBody>
       </p:sp>
     </p:spTree>
-    <p:extLst/>
   </p:cSld>
   <p:clrMapOvr>
     <a:masterClrMapping/>
@@ -3753,7 +3742,7 @@
           <a:p>
             <a:fld id="{2FDCE516-1CB7-1C4D-A00D-70030923E4FD}" type="datetime1">
               <a:rPr lang="en-US" smtClean="0"/>
-              <a:t>6/28/2018</a:t>
+              <a:t>9/11/22</a:t>
             </a:fld>
             <a:endParaRPr lang="en-US"/>
           </a:p>
@@ -3798,14 +3787,13 @@
           <a:p>
             <a:fld id="{DE42E464-3EB8-43C8-8768-9E2AD4F497B7}" type="slidenum">
               <a:rPr lang="en-US" smtClean="0"/>
-              <a:t>‹Nº›</a:t>
+              <a:t>‹#›</a:t>
             </a:fld>
             <a:endParaRPr lang="en-US"/>
           </a:p>
         </p:txBody>
       </p:sp>
     </p:spTree>
-    <p:extLst/>
   </p:cSld>
   <p:clrMapOvr>
     <a:masterClrMapping/>
@@ -3931,7 +3919,7 @@
           <a:p>
             <a:fld id="{B280ACDD-4271-534D-8C34-691AFDC46C8D}" type="datetime1">
               <a:rPr lang="en-US" smtClean="0"/>
-              <a:t>6/28/2018</a:t>
+              <a:t>9/11/22</a:t>
             </a:fld>
             <a:endParaRPr lang="en-US"/>
           </a:p>
@@ -3984,7 +3972,7 @@
           <a:p>
             <a:fld id="{4DBC7FC8-25FB-FC45-8177-2B991DA6778C}" type="slidenum">
               <a:rPr lang="en-US" smtClean="0"/>
-              <a:t>‹Nº›</a:t>
+              <a:t>‹#›</a:t>
             </a:fld>
             <a:endParaRPr lang="en-US" dirty="0"/>
           </a:p>
@@ -4192,7 +4180,7 @@
           <a:p>
             <a:fld id="{FCD853B2-7222-ED4A-BB2C-EFFFEC4E7E82}" type="datetime1">
               <a:rPr lang="en-US" smtClean="0"/>
-              <a:t>6/28/2018</a:t>
+              <a:t>9/11/22</a:t>
             </a:fld>
             <a:endParaRPr lang="en-US"/>
           </a:p>
@@ -4237,14 +4225,13 @@
           <a:p>
             <a:fld id="{DE42E464-3EB8-43C8-8768-9E2AD4F497B7}" type="slidenum">
               <a:rPr lang="en-US" smtClean="0"/>
-              <a:t>‹Nº›</a:t>
+              <a:t>‹#›</a:t>
             </a:fld>
             <a:endParaRPr lang="en-US"/>
           </a:p>
         </p:txBody>
       </p:sp>
     </p:spTree>
-    <p:extLst/>
   </p:cSld>
   <p:clrMapOvr>
     <a:masterClrMapping/>
@@ -4359,7 +4346,7 @@
           <a:p>
             <a:fld id="{E264BB99-A48C-0146-9F74-D0B42B807952}" type="datetime1">
               <a:rPr lang="en-US" smtClean="0"/>
-              <a:t>6/28/2018</a:t>
+              <a:t>9/11/22</a:t>
             </a:fld>
             <a:endParaRPr lang="en-US"/>
           </a:p>
@@ -4404,14 +4391,13 @@
           <a:p>
             <a:fld id="{DE42E464-3EB8-43C8-8768-9E2AD4F497B7}" type="slidenum">
               <a:rPr lang="en-US" smtClean="0"/>
-              <a:t>‹Nº›</a:t>
+              <a:t>‹#›</a:t>
             </a:fld>
             <a:endParaRPr lang="en-US"/>
           </a:p>
         </p:txBody>
       </p:sp>
     </p:spTree>
-    <p:extLst/>
   </p:cSld>
   <p:clrMapOvr>
     <a:masterClrMapping/>
@@ -4536,7 +4522,7 @@
           <a:p>
             <a:fld id="{412989C5-FCDA-B04E-8B61-0FB673E114F3}" type="datetime1">
               <a:rPr lang="en-US" smtClean="0"/>
-              <a:t>6/28/2018</a:t>
+              <a:t>9/11/22</a:t>
             </a:fld>
             <a:endParaRPr lang="en-US"/>
           </a:p>
@@ -4581,14 +4567,13 @@
           <a:p>
             <a:fld id="{DE42E464-3EB8-43C8-8768-9E2AD4F497B7}" type="slidenum">
               <a:rPr lang="en-US" smtClean="0"/>
-              <a:t>‹Nº›</a:t>
+              <a:t>‹#›</a:t>
             </a:fld>
             <a:endParaRPr lang="en-US"/>
           </a:p>
         </p:txBody>
       </p:sp>
     </p:spTree>
-    <p:extLst/>
   </p:cSld>
   <p:clrMapOvr>
     <a:masterClrMapping/>
@@ -4789,7 +4774,7 @@
           <a:p>
             <a:fld id="{B1ED0112-EBD7-F842-BACD-7B49F4982FDB}" type="datetime1">
               <a:rPr lang="en-US" smtClean="0"/>
-              <a:t>6/28/2018</a:t>
+              <a:t>9/11/22</a:t>
             </a:fld>
             <a:endParaRPr lang="en-US"/>
           </a:p>
@@ -4820,7 +4805,7 @@
           <a:p>
             <a:fld id="{4DBC7FC8-25FB-FC45-8177-2B991DA6778C}" type="slidenum">
               <a:rPr lang="en-US" smtClean="0"/>
-              <a:t>‹Nº›</a:t>
+              <a:t>‹#›</a:t>
             </a:fld>
             <a:endParaRPr lang="en-US"/>
           </a:p>
@@ -5087,7 +5072,7 @@
           <a:p>
             <a:fld id="{90466D39-7A35-1548-B570-3D1A46A45438}" type="datetime1">
               <a:rPr lang="en-US" smtClean="0"/>
-              <a:t>6/28/2018</a:t>
+              <a:t>9/11/22</a:t>
             </a:fld>
             <a:endParaRPr lang="en-US"/>
           </a:p>
@@ -5140,7 +5125,7 @@
           <a:p>
             <a:fld id="{4DBC7FC8-25FB-FC45-8177-2B991DA6778C}" type="slidenum">
               <a:rPr lang="en-US" smtClean="0"/>
-              <a:t>‹Nº›</a:t>
+              <a:t>‹#›</a:t>
             </a:fld>
             <a:endParaRPr lang="en-US"/>
           </a:p>
@@ -5536,7 +5521,7 @@
           <a:p>
             <a:fld id="{3A9F13E5-AA75-F345-BB25-FD04F02428CD}" type="datetime1">
               <a:rPr lang="en-US" smtClean="0"/>
-              <a:t>6/28/2018</a:t>
+              <a:t>9/11/22</a:t>
             </a:fld>
             <a:endParaRPr lang="en-US"/>
           </a:p>
@@ -5589,7 +5574,7 @@
           <a:p>
             <a:fld id="{4DBC7FC8-25FB-FC45-8177-2B991DA6778C}" type="slidenum">
               <a:rPr lang="en-US" smtClean="0"/>
-              <a:t>‹Nº›</a:t>
+              <a:t>‹#›</a:t>
             </a:fld>
             <a:endParaRPr lang="en-US"/>
           </a:p>
@@ -5659,7 +5644,7 @@
           <a:p>
             <a:fld id="{700894CB-BA13-BC4A-A10A-275A89EE4B62}" type="datetime1">
               <a:rPr lang="en-US" smtClean="0"/>
-              <a:t>6/28/2018</a:t>
+              <a:t>9/11/22</a:t>
             </a:fld>
             <a:endParaRPr lang="en-US"/>
           </a:p>
@@ -5712,7 +5697,7 @@
           <a:p>
             <a:fld id="{4DBC7FC8-25FB-FC45-8177-2B991DA6778C}" type="slidenum">
               <a:rPr lang="en-US" smtClean="0"/>
-              <a:t>‹Nº›</a:t>
+              <a:t>‹#›</a:t>
             </a:fld>
             <a:endParaRPr lang="en-US"/>
           </a:p>
@@ -5760,7 +5745,7 @@
           <a:p>
             <a:fld id="{4C730709-76CD-484D-BA16-EC74FA683D26}" type="datetime1">
               <a:rPr lang="en-US" smtClean="0"/>
-              <a:t>6/28/2018</a:t>
+              <a:t>9/11/22</a:t>
             </a:fld>
             <a:endParaRPr lang="en-US"/>
           </a:p>
@@ -5813,7 +5798,7 @@
           <a:p>
             <a:fld id="{4DBC7FC8-25FB-FC45-8177-2B991DA6778C}" type="slidenum">
               <a:rPr lang="en-US" smtClean="0"/>
-              <a:t>‹Nº›</a:t>
+              <a:t>‹#›</a:t>
             </a:fld>
             <a:endParaRPr lang="en-US"/>
           </a:p>
@@ -6013,7 +5998,7 @@
           <a:p>
             <a:fld id="{FC7AFEE6-E5FB-E240-9596-BED9A742E89A}" type="datetime1">
               <a:rPr lang="en-US" smtClean="0"/>
-              <a:t>6/28/2018</a:t>
+              <a:t>9/11/22</a:t>
             </a:fld>
             <a:endParaRPr lang="en-US"/>
           </a:p>
@@ -6066,7 +6051,7 @@
           <a:p>
             <a:fld id="{4DBC7FC8-25FB-FC45-8177-2B991DA6778C}" type="slidenum">
               <a:rPr lang="en-US" smtClean="0"/>
-              <a:t>‹Nº›</a:t>
+              <a:t>‹#›</a:t>
             </a:fld>
             <a:endParaRPr lang="en-US"/>
           </a:p>
@@ -6316,7 +6301,7 @@
           <a:p>
             <a:fld id="{D8680C45-A148-F746-A9D7-8E98B6CC9AAD}" type="datetime1">
               <a:rPr lang="en-US" smtClean="0"/>
-              <a:t>6/28/2018</a:t>
+              <a:t>9/11/22</a:t>
             </a:fld>
             <a:endParaRPr lang="en-US"/>
           </a:p>
@@ -6377,7 +6362,7 @@
           <a:p>
             <a:fld id="{4DBC7FC8-25FB-FC45-8177-2B991DA6778C}" type="slidenum">
               <a:rPr lang="en-US" smtClean="0"/>
-              <a:t>‹Nº›</a:t>
+              <a:t>‹#›</a:t>
             </a:fld>
             <a:endParaRPr lang="en-US"/>
           </a:p>
@@ -6621,7 +6606,7 @@
           <a:p>
             <a:fld id="{BC76C0EA-9079-1D4B-93FC-C45A24005AF7}" type="datetime1">
               <a:rPr lang="en-US" smtClean="0"/>
-              <a:t>6/28/2018</a:t>
+              <a:t>9/11/22</a:t>
             </a:fld>
             <a:endParaRPr lang="en-US"/>
           </a:p>
@@ -6690,7 +6675,7 @@
           <a:p>
             <a:fld id="{4DBC7FC8-25FB-FC45-8177-2B991DA6778C}" type="slidenum">
               <a:rPr lang="en-US" smtClean="0"/>
-              <a:t>‹Nº›</a:t>
+              <a:t>‹#›</a:t>
             </a:fld>
             <a:endParaRPr lang="en-US"/>
           </a:p>
@@ -7679,7 +7664,7 @@
           <a:p>
             <a:fld id="{B574AAB2-7C98-0D41-8B1E-45407FCC9362}" type="datetime1">
               <a:rPr lang="en-US" smtClean="0"/>
-              <a:t>6/28/2018</a:t>
+              <a:t>9/11/22</a:t>
             </a:fld>
             <a:endParaRPr lang="en-US"/>
           </a:p>
@@ -7760,7 +7745,7 @@
           <a:p>
             <a:fld id="{DE42E464-3EB8-43C8-8768-9E2AD4F497B7}" type="slidenum">
               <a:rPr lang="en-US" smtClean="0"/>
-              <a:t>‹Nº›</a:t>
+              <a:t>‹#›</a:t>
             </a:fld>
             <a:endParaRPr lang="en-US"/>
           </a:p>
@@ -11359,75 +11344,6 @@
           </a:p>
           <a:p>
             <a:pPr lvl="1"/>
-            <a:r>
-              <a:rPr lang="en-US" dirty="0" err="1"/>
-              <a:t>Itzulpena</a:t>
-            </a:r>
-            <a:r>
-              <a:rPr lang="en-US" dirty="0"/>
-              <a:t> </a:t>
-            </a:r>
-            <a:r>
-              <a:rPr lang="en-US" dirty="0" err="1"/>
-              <a:t>Edurobotic-ek</a:t>
-            </a:r>
-            <a:r>
-              <a:rPr lang="en-US" dirty="0"/>
-              <a:t> </a:t>
-            </a:r>
-            <a:r>
-              <a:rPr lang="en-US" dirty="0" err="1"/>
-              <a:t>eginda</a:t>
-            </a:r>
-            <a:r>
-              <a:rPr lang="en-US" dirty="0"/>
-              <a:t>. </a:t>
-            </a:r>
-            <a:r>
-              <a:rPr lang="en-US" dirty="0">
-                <a:hlinkClick r:id="rId3"/>
-              </a:rPr>
-              <a:t>www.edurobotic.es</a:t>
-            </a:r>
-            <a:r>
-              <a:rPr lang="en-US" dirty="0"/>
-              <a:t> (</a:t>
-            </a:r>
-            <a:r>
-              <a:rPr lang="en-US" dirty="0" err="1"/>
-              <a:t>Anartz</a:t>
-            </a:r>
-            <a:r>
-              <a:rPr lang="en-US" dirty="0"/>
-              <a:t> San Juan </a:t>
-            </a:r>
-            <a:r>
-              <a:rPr lang="en-US" dirty="0" err="1"/>
-              <a:t>taldekideak</a:t>
-            </a:r>
-            <a:r>
-              <a:rPr lang="en-US" dirty="0"/>
-              <a:t> </a:t>
-            </a:r>
-            <a:r>
-              <a:rPr lang="en-US" dirty="0" err="1"/>
-              <a:t>hain</a:t>
-            </a:r>
-            <a:r>
-              <a:rPr lang="en-US" dirty="0"/>
-              <a:t> </a:t>
-            </a:r>
-            <a:r>
-              <a:rPr lang="en-US" dirty="0" err="1"/>
-              <a:t>zuzen</a:t>
-            </a:r>
-            <a:r>
-              <a:rPr lang="en-US" dirty="0"/>
-              <a:t>).</a:t>
-            </a:r>
-          </a:p>
-          <a:p>
-            <a:pPr lvl="1"/>
             <a:endParaRPr lang="en-US" dirty="0"/>
           </a:p>
         </p:txBody>
@@ -11733,7 +11649,7 @@
                   <a:srgbClr val="4374B7"/>
                 </a:solidFill>
                 <a:latin typeface="Helvetica Neue"/>
-                <a:hlinkClick r:id="rId4"/>
+                <a:hlinkClick r:id="rId3"/>
               </a:rPr>
               <a:t>Creative Commons Attribution-</a:t>
             </a:r>
@@ -11743,7 +11659,7 @@
                   <a:srgbClr val="4374B7"/>
                 </a:solidFill>
                 <a:latin typeface="Helvetica Neue"/>
-                <a:hlinkClick r:id="rId4"/>
+                <a:hlinkClick r:id="rId3"/>
               </a:rPr>
               <a:t>NonCommercial</a:t>
             </a:r>
@@ -11753,7 +11669,7 @@
                   <a:srgbClr val="4374B7"/>
                 </a:solidFill>
                 <a:latin typeface="Helvetica Neue"/>
-                <a:hlinkClick r:id="rId4"/>
+                <a:hlinkClick r:id="rId3"/>
               </a:rPr>
               <a:t>-</a:t>
             </a:r>
@@ -11763,7 +11679,7 @@
                   <a:srgbClr val="4374B7"/>
                 </a:solidFill>
                 <a:latin typeface="Helvetica Neue"/>
-                <a:hlinkClick r:id="rId4"/>
+                <a:hlinkClick r:id="rId3"/>
               </a:rPr>
               <a:t>ShareAlike</a:t>
             </a:r>
@@ -11773,7 +11689,7 @@
                   <a:srgbClr val="4374B7"/>
                 </a:solidFill>
                 <a:latin typeface="Helvetica Neue"/>
-                <a:hlinkClick r:id="rId4"/>
+                <a:hlinkClick r:id="rId3"/>
               </a:rPr>
               <a:t> 4.0 International License</a:t>
             </a:r>
@@ -11847,7 +11763,7 @@
       <p:pic>
         <p:nvPicPr>
           <p:cNvPr id="2050" name="Picture 2" descr="Creative Commons License">
-            <a:hlinkClick r:id="rId4"/>
+            <a:hlinkClick r:id="rId3"/>
           </p:cNvPr>
           <p:cNvPicPr>
             <a:picLocks noChangeAspect="1" noChangeArrowheads="1"/>
@@ -11855,7 +11771,7 @@
           <p:nvPr/>
         </p:nvPicPr>
         <p:blipFill>
-          <a:blip r:embed="rId5">
+          <a:blip r:embed="rId4">
             <a:extLst>
               <a:ext uri="{28A0092B-C50C-407E-A947-70E740481C1C}">
                 <a14:useLocalDpi xmlns:a14="http://schemas.microsoft.com/office/drawing/2010/main" val="0"/>
